--- a/Syllabus/Lecture11/Lec11.pptx
+++ b/Syllabus/Lecture11/Lec11.pptx
@@ -253,7 +253,7 @@
           <a:p>
             <a:fld id="{DF9C6931-D0F6-AB40-9D7F-95567148A5C2}" type="datetimeFigureOut">
               <a:rPr lang="en-US" smtClean="0"/>
-              <a:t>10/3/22</a:t>
+              <a:t>10/4/22</a:t>
             </a:fld>
             <a:endParaRPr lang="en-US"/>
           </a:p>
@@ -430,7 +430,7 @@
           <a:p>
             <a:fld id="{736C18F2-6801-5147-A332-A6E1C7D69D18}" type="datetimeFigureOut">
               <a:rPr lang="en-US" smtClean="0"/>
-              <a:t>10/3/22</a:t>
+              <a:t>10/4/22</a:t>
             </a:fld>
             <a:endParaRPr lang="en-US"/>
           </a:p>
@@ -807,6 +807,166 @@
 </file>
 
 <file path=ppt/notesSlides/notesSlide2.xml><?xml version="1.0" encoding="utf-8"?>
+<p:notes xmlns:a="http://schemas.openxmlformats.org/drawingml/2006/main" xmlns:r="http://schemas.openxmlformats.org/officeDocument/2006/relationships" xmlns:p="http://schemas.openxmlformats.org/presentationml/2006/main">
+  <p:cSld>
+    <p:spTree>
+      <p:nvGrpSpPr>
+        <p:cNvPr id="1" name=""/>
+        <p:cNvGrpSpPr/>
+        <p:nvPr/>
+      </p:nvGrpSpPr>
+      <p:grpSpPr>
+        <a:xfrm>
+          <a:off x="0" y="0"/>
+          <a:ext cx="0" cy="0"/>
+          <a:chOff x="0" y="0"/>
+          <a:chExt cx="0" cy="0"/>
+        </a:xfrm>
+      </p:grpSpPr>
+      <p:sp>
+        <p:nvSpPr>
+          <p:cNvPr id="2" name="Slide Image Placeholder 1"/>
+          <p:cNvSpPr>
+            <a:spLocks noGrp="1" noRot="1" noChangeAspect="1"/>
+          </p:cNvSpPr>
+          <p:nvPr>
+            <p:ph type="sldImg"/>
+          </p:nvPr>
+        </p:nvSpPr>
+        <p:spPr/>
+      </p:sp>
+      <p:sp>
+        <p:nvSpPr>
+          <p:cNvPr id="3" name="Notes Placeholder 2"/>
+          <p:cNvSpPr>
+            <a:spLocks noGrp="1"/>
+          </p:cNvSpPr>
+          <p:nvPr>
+            <p:ph type="body" idx="1"/>
+          </p:nvPr>
+        </p:nvSpPr>
+        <p:spPr/>
+        <p:txBody>
+          <a:bodyPr/>
+          <a:lstStyle/>
+          <a:p>
+            <a:pPr algn="l"/>
+            <a:r>
+              <a:rPr lang="en-US" b="1" i="0" dirty="0">
+                <a:solidFill>
+                  <a:srgbClr val="292929"/>
+                </a:solidFill>
+                <a:effectLst/>
+                <a:latin typeface="source-serif-pro"/>
+              </a:rPr>
+              <a:t>We say our model is biased if it systematically under or over-predicts the target variable.</a:t>
+            </a:r>
+            <a:r>
+              <a:rPr lang="en-US" b="0" i="0" dirty="0">
+                <a:solidFill>
+                  <a:srgbClr val="292929"/>
+                </a:solidFill>
+                <a:effectLst/>
+                <a:latin typeface="source-serif-pro"/>
+              </a:rPr>
+              <a:t> In machine learning, this is often the result of </a:t>
+            </a:r>
+            <a:r>
+              <a:rPr lang="en-US" b="0" i="0">
+                <a:solidFill>
+                  <a:srgbClr val="292929"/>
+                </a:solidFill>
+                <a:effectLst/>
+                <a:latin typeface="source-serif-pro"/>
+              </a:rPr>
+              <a:t>either the </a:t>
+            </a:r>
+            <a:r>
+              <a:rPr lang="en-US" b="0" i="0" dirty="0">
+                <a:solidFill>
+                  <a:srgbClr val="292929"/>
+                </a:solidFill>
+                <a:effectLst/>
+                <a:latin typeface="source-serif-pro"/>
+              </a:rPr>
+              <a:t>statistical assumptions made by our model of choice or of bias in the training data.</a:t>
+            </a:r>
+          </a:p>
+          <a:p>
+            <a:pPr algn="l"/>
+            <a:endParaRPr lang="en-US" b="0" i="0" dirty="0">
+              <a:solidFill>
+                <a:srgbClr val="292929"/>
+              </a:solidFill>
+              <a:effectLst/>
+              <a:latin typeface="source-serif-pro"/>
+            </a:endParaRPr>
+          </a:p>
+          <a:p>
+            <a:pPr algn="l"/>
+            <a:r>
+              <a:rPr lang="en-US" b="1" i="0" dirty="0">
+                <a:solidFill>
+                  <a:srgbClr val="292929"/>
+                </a:solidFill>
+                <a:effectLst/>
+                <a:latin typeface="source-serif-pro"/>
+              </a:rPr>
+              <a:t>Variance, on the other hand, in some sense captures the generalizability of the model.</a:t>
+            </a:r>
+            <a:r>
+              <a:rPr lang="en-US" b="0" i="0" dirty="0">
+                <a:solidFill>
+                  <a:srgbClr val="292929"/>
+                </a:solidFill>
+                <a:effectLst/>
+                <a:latin typeface="source-serif-pro"/>
+              </a:rPr>
+              <a:t> Put more precisely. It measures how much our prediction would change if we trained it on different data. High variance typically means that we are overfitting our training data, finding patterns and complexity that are a product of randomness instead of some real trend. Generally, a more complex or flexible model will tend to have high variance due to overfitting. Still, lower bias because by averaging over several predictions, our model more accurately predicts the target variable. On the other hand, an underfit or oversimplified model, while having a lower variance, will likely be more biased since it lacks the tools to capture trends in the data fully.</a:t>
+            </a:r>
+          </a:p>
+          <a:p>
+            <a:endParaRPr lang="en-US" dirty="0"/>
+          </a:p>
+        </p:txBody>
+      </p:sp>
+      <p:sp>
+        <p:nvSpPr>
+          <p:cNvPr id="4" name="Slide Number Placeholder 3"/>
+          <p:cNvSpPr>
+            <a:spLocks noGrp="1"/>
+          </p:cNvSpPr>
+          <p:nvPr>
+            <p:ph type="sldNum" sz="quarter" idx="5"/>
+          </p:nvPr>
+        </p:nvSpPr>
+        <p:spPr/>
+        <p:txBody>
+          <a:bodyPr/>
+          <a:lstStyle/>
+          <a:p>
+            <a:fld id="{8DCF60EF-C37D-4D44-90AD-6140AB570E45}" type="slidenum">
+              <a:rPr lang="en-US" smtClean="0"/>
+              <a:t>7</a:t>
+            </a:fld>
+            <a:endParaRPr lang="en-US"/>
+          </a:p>
+        </p:txBody>
+      </p:sp>
+    </p:spTree>
+    <p:extLst>
+      <p:ext uri="{BB962C8B-B14F-4D97-AF65-F5344CB8AC3E}">
+        <p14:creationId xmlns:p14="http://schemas.microsoft.com/office/powerpoint/2010/main" val="2521159540"/>
+      </p:ext>
+    </p:extLst>
+  </p:cSld>
+  <p:clrMapOvr>
+    <a:masterClrMapping/>
+  </p:clrMapOvr>
+</p:notes>
+</file>
+
+<file path=ppt/notesSlides/notesSlide3.xml><?xml version="1.0" encoding="utf-8"?>
 <p:notes xmlns:a="http://schemas.openxmlformats.org/drawingml/2006/main" xmlns:r="http://schemas.openxmlformats.org/officeDocument/2006/relationships" xmlns:p="http://schemas.openxmlformats.org/presentationml/2006/main" showMasterSp="0" showMasterPhAnim="0">
   <p:cSld>
     <p:spTree>
@@ -5065,7 +5225,7 @@
               <a:rPr lang="en-US" sz="2400" dirty="0">
                 <a:effectLst/>
               </a:rPr>
-              <a:t>Is an ensemble of Decision Trees, generally trained via the bagging method </a:t>
+              <a:t>RF is an ensemble of Decision Trees, generally trained via the bagging method, </a:t>
             </a:r>
             <a:r>
               <a:rPr lang="en-US" sz="2400" i="1" dirty="0">
@@ -5205,9 +5365,8 @@
             </a:r>
           </a:p>
           <a:p>
-            <a:pPr>
-              <a:buFont typeface="Arial" panose="020B0604020202020204" pitchFamily="34" charset="0"/>
-              <a:buChar char="•"/>
+            <a:pPr marL="0" indent="0">
+              <a:buNone/>
             </a:pPr>
             <a:r>
               <a:rPr lang="en-US" sz="2000" dirty="0">
@@ -5505,9 +5664,15 @@
             <a:r>
               <a:rPr lang="en-US" sz="2400" dirty="0">
                 <a:effectLst/>
+              </a:rPr>
+              <a:t>Following code trains a Random Forest classifier with 500 trees (each limited to maximum of 16 nodes), using all available CPU cores</a:t>
+            </a:r>
+            <a:r>
+              <a:rPr lang="en-US" sz="2400" dirty="0">
+                <a:effectLst/>
                 <a:latin typeface="MinionPro"/>
               </a:rPr>
-              <a:t>Following code trains a Random Forest classifier with 500 trees (each limited to maximum of 16 nodes), using all available CPU cores: </a:t>
+              <a:t>: </a:t>
             </a:r>
             <a:endParaRPr lang="en-US" sz="1100" dirty="0"/>
           </a:p>
@@ -5938,8 +6103,8 @@
           </a:p>
         </p:txBody>
       </p:sp>
-      <mc:AlternateContent xmlns:mc="http://schemas.openxmlformats.org/markup-compatibility/2006">
-        <mc:Choice xmlns:a14="http://schemas.microsoft.com/office/drawing/2010/main" Requires="a14">
+      <mc:AlternateContent xmlns:mc="http://schemas.openxmlformats.org/markup-compatibility/2006" xmlns:a14="http://schemas.microsoft.com/office/drawing/2010/main">
+        <mc:Choice Requires="a14">
           <p:sp>
             <p:nvSpPr>
               <p:cNvPr id="6" name="Content Placeholder 2">
@@ -6184,7 +6349,9 @@
                 <a14:m>
                   <m:oMath xmlns:m="http://schemas.openxmlformats.org/officeDocument/2006/math">
                     <m:r>
-                      <a:rPr lang="en-US" sz="2400" b="0" i="1" smtClean="0"/>
+                      <a:rPr lang="en-US" sz="2400" b="0" i="1" smtClean="0">
+                        <a:latin typeface="Cambria Math" panose="02040503050406030204" pitchFamily="18" charset="0"/>
+                      </a:rPr>
                       <m:t>𝑗</m:t>
                     </m:r>
                   </m:oMath>
@@ -6209,7 +6376,9 @@
                 <a14:m>
                   <m:oMath xmlns:m="http://schemas.openxmlformats.org/officeDocument/2006/math">
                     <m:r>
-                      <a:rPr lang="en-US" sz="2400" b="0" i="1" smtClean="0"/>
+                      <a:rPr lang="en-US" sz="2400" b="0" i="1" smtClean="0">
+                        <a:latin typeface="Cambria Math" panose="02040503050406030204" pitchFamily="18" charset="0"/>
+                      </a:rPr>
                       <m:t>𝑗</m:t>
                     </m:r>
                   </m:oMath>
@@ -6222,7 +6391,7 @@
             </p:txBody>
           </p:sp>
         </mc:Choice>
-        <mc:Fallback>
+        <mc:Fallback xmlns="">
           <p:sp>
             <p:nvSpPr>
               <p:cNvPr id="6" name="Content Placeholder 2">

--- a/Syllabus/Lecture11/Lec11.pptx
+++ b/Syllabus/Lecture11/Lec11.pptx
@@ -5,10 +5,10 @@
     <p:sldMasterId id="2147483664" r:id="rId1"/>
   </p:sldMasterIdLst>
   <p:notesMasterIdLst>
-    <p:notesMasterId r:id="rId12"/>
+    <p:notesMasterId r:id="rId13"/>
   </p:notesMasterIdLst>
   <p:handoutMasterIdLst>
-    <p:handoutMasterId r:id="rId13"/>
+    <p:handoutMasterId r:id="rId14"/>
   </p:handoutMasterIdLst>
   <p:sldIdLst>
     <p:sldId id="266" r:id="rId2"/>
@@ -17,10 +17,11 @@
     <p:sldId id="1366" r:id="rId5"/>
     <p:sldId id="1394" r:id="rId6"/>
     <p:sldId id="1395" r:id="rId7"/>
-    <p:sldId id="1396" r:id="rId8"/>
-    <p:sldId id="1397" r:id="rId9"/>
-    <p:sldId id="1398" r:id="rId10"/>
-    <p:sldId id="410" r:id="rId11"/>
+    <p:sldId id="1399" r:id="rId8"/>
+    <p:sldId id="1396" r:id="rId9"/>
+    <p:sldId id="1397" r:id="rId10"/>
+    <p:sldId id="1398" r:id="rId11"/>
+    <p:sldId id="410" r:id="rId12"/>
   </p:sldIdLst>
   <p:sldSz cx="12192000" cy="6858000"/>
   <p:notesSz cx="6858000" cy="9144000"/>
@@ -130,6 +131,7 @@
             <p14:sldId id="1366"/>
             <p14:sldId id="1394"/>
             <p14:sldId id="1395"/>
+            <p14:sldId id="1399"/>
             <p14:sldId id="1396"/>
             <p14:sldId id="1397"/>
             <p14:sldId id="1398"/>
@@ -869,27 +871,7 @@
                 <a:effectLst/>
                 <a:latin typeface="source-serif-pro"/>
               </a:rPr>
-              <a:t> In machine learning, this is often the result of </a:t>
-            </a:r>
-            <a:r>
-              <a:rPr lang="en-US" b="0" i="0">
-                <a:solidFill>
-                  <a:srgbClr val="292929"/>
-                </a:solidFill>
-                <a:effectLst/>
-                <a:latin typeface="source-serif-pro"/>
-              </a:rPr>
-              <a:t>either the </a:t>
-            </a:r>
-            <a:r>
-              <a:rPr lang="en-US" b="0" i="0" dirty="0">
-                <a:solidFill>
-                  <a:srgbClr val="292929"/>
-                </a:solidFill>
-                <a:effectLst/>
-                <a:latin typeface="source-serif-pro"/>
-              </a:rPr>
-              <a:t>statistical assumptions made by our model of choice or of bias in the training data.</a:t>
+              <a:t> In machine learning, this is often the result of either the statistical assumptions made by our model of choice or of bias in the training data.</a:t>
             </a:r>
           </a:p>
           <a:p>
@@ -922,7 +904,30 @@
                 <a:effectLst/>
                 <a:latin typeface="source-serif-pro"/>
               </a:rPr>
-              <a:t> Put more precisely. It measures how much our prediction would change if we trained it on different data. High variance typically means that we are overfitting our training data, finding patterns and complexity that are a product of randomness instead of some real trend. Generally, a more complex or flexible model will tend to have high variance due to overfitting. Still, lower bias because by averaging over several predictions, our model more accurately predicts the target variable. On the other hand, an underfit or oversimplified model, while having a lower variance, will likely be more biased since it lacks the tools to capture trends in the data fully.</a:t>
+              <a:t> Put more precisely. It measures how much our prediction would change if we trained it on different data. High variance typically means we are overfitting our training data, finding patterns and complexity that are a product of randomness instead of some real trend. Generally, a more complex or flexible model will tend to have high variance due to overfitting. Still, lower bias because by averaging over several predictions, our model more accurately predicts the target variable. </a:t>
+            </a:r>
+          </a:p>
+          <a:p>
+            <a:pPr algn="l"/>
+            <a:endParaRPr lang="en-US" b="0" i="0" dirty="0">
+              <a:solidFill>
+                <a:srgbClr val="292929"/>
+              </a:solidFill>
+              <a:effectLst/>
+              <a:latin typeface="source-serif-pro"/>
+            </a:endParaRPr>
+          </a:p>
+          <a:p>
+            <a:pPr algn="l"/>
+            <a:r>
+              <a:rPr lang="en-US" b="0" i="0" dirty="0">
+                <a:solidFill>
+                  <a:srgbClr val="292929"/>
+                </a:solidFill>
+                <a:effectLst/>
+                <a:latin typeface="source-serif-pro"/>
+              </a:rPr>
+              <a:t>On the other hand, an underfit or oversimplified model, while having a lower variance, will likely be more biased since it lacks the tools to capture trends in the data fully.</a:t>
             </a:r>
           </a:p>
           <a:p>
@@ -947,7 +952,7 @@
           <a:p>
             <a:fld id="{8DCF60EF-C37D-4D44-90AD-6140AB570E45}" type="slidenum">
               <a:rPr lang="en-US" smtClean="0"/>
-              <a:t>7</a:t>
+              <a:t>8</a:t>
             </a:fld>
             <a:endParaRPr lang="en-US"/>
           </a:p>
@@ -4094,6 +4099,338 @@
   <p:cSld>
     <p:spTree>
       <p:nvGrpSpPr>
+        <p:cNvPr id="1" name=""/>
+        <p:cNvGrpSpPr/>
+        <p:nvPr/>
+      </p:nvGrpSpPr>
+      <p:grpSpPr>
+        <a:xfrm>
+          <a:off x="0" y="0"/>
+          <a:ext cx="0" cy="0"/>
+          <a:chOff x="0" y="0"/>
+          <a:chExt cx="0" cy="0"/>
+        </a:xfrm>
+      </p:grpSpPr>
+      <p:sp>
+        <p:nvSpPr>
+          <p:cNvPr id="4" name="Google Shape;95;p14">
+            <a:extLst>
+              <a:ext uri="{FF2B5EF4-FFF2-40B4-BE49-F238E27FC236}">
+                <a16:creationId xmlns:a16="http://schemas.microsoft.com/office/drawing/2014/main" id="{7AA49D2C-990C-79CB-7258-A122CD8D71F7}"/>
+              </a:ext>
+            </a:extLst>
+          </p:cNvPr>
+          <p:cNvSpPr txBox="1">
+            <a:spLocks/>
+          </p:cNvSpPr>
+          <p:nvPr/>
+        </p:nvSpPr>
+        <p:spPr>
+          <a:xfrm>
+            <a:off x="717173" y="696913"/>
+            <a:ext cx="10972800" cy="506789"/>
+          </a:xfrm>
+          <a:prstGeom prst="rect">
+            <a:avLst/>
+          </a:prstGeom>
+        </p:spPr>
+        <p:txBody>
+          <a:bodyPr spcFirstLastPara="1" wrap="square" lIns="121900" tIns="121900" rIns="121900" bIns="121900" anchor="ctr" anchorCtr="0">
+            <a:noAutofit/>
+          </a:bodyPr>
+          <a:lstStyle>
+            <a:lvl1pPr algn="ctr" defTabSz="609585" rtl="0" eaLnBrk="1" latinLnBrk="0" hangingPunct="1">
+              <a:spcBef>
+                <a:spcPct val="0"/>
+              </a:spcBef>
+              <a:buNone/>
+              <a:defRPr sz="5867" kern="1200">
+                <a:solidFill>
+                  <a:schemeClr val="tx1"/>
+                </a:solidFill>
+                <a:latin typeface="+mj-lt"/>
+                <a:ea typeface="+mj-ea"/>
+                <a:cs typeface="+mj-cs"/>
+              </a:defRPr>
+            </a:lvl1pPr>
+          </a:lstStyle>
+          <a:p>
+            <a:r>
+              <a:rPr lang="en-US" sz="4000" b="1" dirty="0">
+                <a:solidFill>
+                  <a:srgbClr val="E46102"/>
+                </a:solidFill>
+              </a:rPr>
+              <a:t>Explanations using Random Forests</a:t>
+            </a:r>
+          </a:p>
+        </p:txBody>
+      </p:sp>
+      <p:sp>
+        <p:nvSpPr>
+          <p:cNvPr id="6" name="Content Placeholder 2">
+            <a:extLst>
+              <a:ext uri="{FF2B5EF4-FFF2-40B4-BE49-F238E27FC236}">
+                <a16:creationId xmlns:a16="http://schemas.microsoft.com/office/drawing/2014/main" id="{C118E556-0783-33BE-4F5D-9FC28B44CD1D}"/>
+              </a:ext>
+            </a:extLst>
+          </p:cNvPr>
+          <p:cNvSpPr txBox="1">
+            <a:spLocks/>
+          </p:cNvSpPr>
+          <p:nvPr/>
+        </p:nvSpPr>
+        <p:spPr>
+          <a:xfrm>
+            <a:off x="431801" y="1304365"/>
+            <a:ext cx="7076669" cy="4626536"/>
+          </a:xfrm>
+          <a:prstGeom prst="rect">
+            <a:avLst/>
+          </a:prstGeom>
+        </p:spPr>
+        <p:txBody>
+          <a:bodyPr/>
+          <a:lstStyle>
+            <a:lvl1pPr marL="457189" indent="-457189" algn="l" defTabSz="609585" rtl="0" eaLnBrk="1" latinLnBrk="0" hangingPunct="1">
+              <a:spcBef>
+                <a:spcPct val="20000"/>
+              </a:spcBef>
+              <a:buFont typeface="Arial"/>
+              <a:buChar char="•"/>
+              <a:defRPr sz="4267" kern="1200">
+                <a:solidFill>
+                  <a:schemeClr val="tx1"/>
+                </a:solidFill>
+                <a:latin typeface="+mn-lt"/>
+                <a:ea typeface="+mn-ea"/>
+                <a:cs typeface="+mn-cs"/>
+              </a:defRPr>
+            </a:lvl1pPr>
+            <a:lvl2pPr marL="990575" indent="-380990" algn="l" defTabSz="609585" rtl="0" eaLnBrk="1" latinLnBrk="0" hangingPunct="1">
+              <a:spcBef>
+                <a:spcPct val="20000"/>
+              </a:spcBef>
+              <a:buFont typeface="Arial"/>
+              <a:buChar char="–"/>
+              <a:defRPr sz="3733" kern="1200">
+                <a:solidFill>
+                  <a:schemeClr val="tx1"/>
+                </a:solidFill>
+                <a:latin typeface="+mn-lt"/>
+                <a:ea typeface="+mn-ea"/>
+                <a:cs typeface="+mn-cs"/>
+              </a:defRPr>
+            </a:lvl2pPr>
+            <a:lvl3pPr marL="1523962" indent="-304792" algn="l" defTabSz="609585" rtl="0" eaLnBrk="1" latinLnBrk="0" hangingPunct="1">
+              <a:spcBef>
+                <a:spcPct val="20000"/>
+              </a:spcBef>
+              <a:buFont typeface="Arial"/>
+              <a:buChar char="•"/>
+              <a:defRPr sz="3200" kern="1200">
+                <a:solidFill>
+                  <a:schemeClr val="tx1"/>
+                </a:solidFill>
+                <a:latin typeface="+mn-lt"/>
+                <a:ea typeface="+mn-ea"/>
+                <a:cs typeface="+mn-cs"/>
+              </a:defRPr>
+            </a:lvl3pPr>
+            <a:lvl4pPr marL="2133547" indent="-304792" algn="l" defTabSz="609585" rtl="0" eaLnBrk="1" latinLnBrk="0" hangingPunct="1">
+              <a:spcBef>
+                <a:spcPct val="20000"/>
+              </a:spcBef>
+              <a:buFont typeface="Arial"/>
+              <a:buChar char="–"/>
+              <a:defRPr sz="2667" kern="1200">
+                <a:solidFill>
+                  <a:schemeClr val="tx1"/>
+                </a:solidFill>
+                <a:latin typeface="+mn-lt"/>
+                <a:ea typeface="+mn-ea"/>
+                <a:cs typeface="+mn-cs"/>
+              </a:defRPr>
+            </a:lvl4pPr>
+            <a:lvl5pPr marL="2743131" indent="-304792" algn="l" defTabSz="609585" rtl="0" eaLnBrk="1" latinLnBrk="0" hangingPunct="1">
+              <a:spcBef>
+                <a:spcPct val="20000"/>
+              </a:spcBef>
+              <a:buFont typeface="Arial"/>
+              <a:buChar char="»"/>
+              <a:defRPr sz="2667" kern="1200">
+                <a:solidFill>
+                  <a:schemeClr val="tx1"/>
+                </a:solidFill>
+                <a:latin typeface="+mn-lt"/>
+                <a:ea typeface="+mn-ea"/>
+                <a:cs typeface="+mn-cs"/>
+              </a:defRPr>
+            </a:lvl5pPr>
+            <a:lvl6pPr marL="3352716" indent="-304792" algn="l" defTabSz="609585" rtl="0" eaLnBrk="1" latinLnBrk="0" hangingPunct="1">
+              <a:spcBef>
+                <a:spcPct val="20000"/>
+              </a:spcBef>
+              <a:buFont typeface="Arial"/>
+              <a:buChar char="•"/>
+              <a:defRPr sz="2667" kern="1200">
+                <a:solidFill>
+                  <a:schemeClr val="tx1"/>
+                </a:solidFill>
+                <a:latin typeface="+mn-lt"/>
+                <a:ea typeface="+mn-ea"/>
+                <a:cs typeface="+mn-cs"/>
+              </a:defRPr>
+            </a:lvl6pPr>
+            <a:lvl7pPr marL="3962301" indent="-304792" algn="l" defTabSz="609585" rtl="0" eaLnBrk="1" latinLnBrk="0" hangingPunct="1">
+              <a:spcBef>
+                <a:spcPct val="20000"/>
+              </a:spcBef>
+              <a:buFont typeface="Arial"/>
+              <a:buChar char="•"/>
+              <a:defRPr sz="2667" kern="1200">
+                <a:solidFill>
+                  <a:schemeClr val="tx1"/>
+                </a:solidFill>
+                <a:latin typeface="+mn-lt"/>
+                <a:ea typeface="+mn-ea"/>
+                <a:cs typeface="+mn-cs"/>
+              </a:defRPr>
+            </a:lvl7pPr>
+            <a:lvl8pPr marL="4571886" indent="-304792" algn="l" defTabSz="609585" rtl="0" eaLnBrk="1" latinLnBrk="0" hangingPunct="1">
+              <a:spcBef>
+                <a:spcPct val="20000"/>
+              </a:spcBef>
+              <a:buFont typeface="Arial"/>
+              <a:buChar char="•"/>
+              <a:defRPr sz="2667" kern="1200">
+                <a:solidFill>
+                  <a:schemeClr val="tx1"/>
+                </a:solidFill>
+                <a:latin typeface="+mn-lt"/>
+                <a:ea typeface="+mn-ea"/>
+                <a:cs typeface="+mn-cs"/>
+              </a:defRPr>
+            </a:lvl8pPr>
+            <a:lvl9pPr marL="5181470" indent="-304792" algn="l" defTabSz="609585" rtl="0" eaLnBrk="1" latinLnBrk="0" hangingPunct="1">
+              <a:spcBef>
+                <a:spcPct val="20000"/>
+              </a:spcBef>
+              <a:buFont typeface="Arial"/>
+              <a:buChar char="•"/>
+              <a:defRPr sz="2667" kern="1200">
+                <a:solidFill>
+                  <a:schemeClr val="tx1"/>
+                </a:solidFill>
+                <a:latin typeface="+mn-lt"/>
+                <a:ea typeface="+mn-ea"/>
+                <a:cs typeface="+mn-cs"/>
+              </a:defRPr>
+            </a:lvl9pPr>
+          </a:lstStyle>
+          <a:p>
+            <a:pPr>
+              <a:spcAft>
+                <a:spcPts val="1800"/>
+              </a:spcAft>
+            </a:pPr>
+            <a:r>
+              <a:rPr lang="en-US" sz="2400" dirty="0"/>
+              <a:t>Explaining predictions from tree models is always desired; the patterns uncovered by a model are, in some applications, more important than the model’s prediction performance.</a:t>
+            </a:r>
+          </a:p>
+          <a:p>
+            <a:pPr>
+              <a:spcAft>
+                <a:spcPts val="1800"/>
+              </a:spcAft>
+            </a:pPr>
+            <a:r>
+              <a:rPr lang="en-US" sz="2400" dirty="0"/>
+              <a:t>A drawback of RF, Bagging, and other </a:t>
+            </a:r>
+            <a:r>
+              <a:rPr lang="en-US" sz="2400" b="1" i="1" dirty="0"/>
+              <a:t>ensemble methods, </a:t>
+            </a:r>
+            <a:r>
+              <a:rPr lang="en-US" sz="2400" dirty="0"/>
+              <a:t>is that the averaged model is no longer easily interpretable - i.e. one can no longer trace the </a:t>
+            </a:r>
+            <a:r>
+              <a:rPr lang="en-US" sz="2400" i="1" dirty="0"/>
+              <a:t>logic</a:t>
+            </a:r>
+            <a:r>
+              <a:rPr lang="en-US" sz="2400" dirty="0"/>
+              <a:t> of an output through a series of decisions based on predictor values! </a:t>
+            </a:r>
+          </a:p>
+        </p:txBody>
+      </p:sp>
+      <p:pic>
+        <p:nvPicPr>
+          <p:cNvPr id="3" name="Content Placeholder 7">
+            <a:extLst>
+              <a:ext uri="{FF2B5EF4-FFF2-40B4-BE49-F238E27FC236}">
+                <a16:creationId xmlns:a16="http://schemas.microsoft.com/office/drawing/2014/main" id="{F017D1DD-378D-F993-441B-464467ABC0DA}"/>
+              </a:ext>
+            </a:extLst>
+          </p:cNvPr>
+          <p:cNvPicPr>
+            <a:picLocks noChangeAspect="1"/>
+          </p:cNvPicPr>
+          <p:nvPr/>
+        </p:nvPicPr>
+        <p:blipFill rotWithShape="1">
+          <a:blip r:embed="rId2">
+            <a:duotone>
+              <a:schemeClr val="accent1">
+                <a:shade val="45000"/>
+                <a:satMod val="135000"/>
+              </a:schemeClr>
+              <a:prstClr val="white"/>
+            </a:duotone>
+            <a:extLst>
+              <a:ext uri="{28A0092B-C50C-407E-A947-70E740481C1C}">
+                <a14:useLocalDpi xmlns:a14="http://schemas.microsoft.com/office/drawing/2010/main" val="0"/>
+              </a:ext>
+            </a:extLst>
+          </a:blip>
+          <a:srcRect l="7134" t="6340" r="6413" b="9980"/>
+          <a:stretch/>
+        </p:blipFill>
+        <p:spPr>
+          <a:xfrm>
+            <a:off x="7333823" y="1411941"/>
+            <a:ext cx="4651987" cy="3939987"/>
+          </a:xfrm>
+          <a:prstGeom prst="rect">
+            <a:avLst/>
+          </a:prstGeom>
+          <a:ln>
+            <a:noFill/>
+          </a:ln>
+        </p:spPr>
+      </p:pic>
+    </p:spTree>
+    <p:extLst>
+      <p:ext uri="{BB962C8B-B14F-4D97-AF65-F5344CB8AC3E}">
+        <p14:creationId xmlns:p14="http://schemas.microsoft.com/office/powerpoint/2010/main" val="2308997709"/>
+      </p:ext>
+    </p:extLst>
+  </p:cSld>
+  <p:clrMapOvr>
+    <a:masterClrMapping/>
+  </p:clrMapOvr>
+</p:sld>
+</file>
+
+<file path=ppt/slides/slide11.xml><?xml version="1.0" encoding="utf-8"?>
+<p:sld xmlns:a="http://schemas.openxmlformats.org/drawingml/2006/main" xmlns:r="http://schemas.openxmlformats.org/officeDocument/2006/relationships" xmlns:p="http://schemas.openxmlformats.org/presentationml/2006/main">
+  <p:cSld>
+    <p:spTree>
+      <p:nvGrpSpPr>
         <p:cNvPr id="1" name="Shape 94"/>
         <p:cNvGrpSpPr/>
         <p:nvPr/>
@@ -5800,6 +6137,865 @@
       </p:sp>
       <p:sp>
         <p:nvSpPr>
+          <p:cNvPr id="3" name="TextBox 2">
+            <a:extLst>
+              <a:ext uri="{FF2B5EF4-FFF2-40B4-BE49-F238E27FC236}">
+                <a16:creationId xmlns:a16="http://schemas.microsoft.com/office/drawing/2014/main" id="{8573B4C7-ECC8-2952-A3F7-BA09E95275BB}"/>
+              </a:ext>
+            </a:extLst>
+          </p:cNvPr>
+          <p:cNvSpPr txBox="1"/>
+          <p:nvPr/>
+        </p:nvSpPr>
+        <p:spPr>
+          <a:xfrm>
+            <a:off x="330012" y="1424797"/>
+            <a:ext cx="11614338" cy="1631216"/>
+          </a:xfrm>
+          <a:prstGeom prst="rect">
+            <a:avLst/>
+          </a:prstGeom>
+          <a:noFill/>
+        </p:spPr>
+        <p:txBody>
+          <a:bodyPr wrap="square">
+            <a:spAutoFit/>
+          </a:bodyPr>
+          <a:lstStyle/>
+          <a:p>
+            <a:r>
+              <a:rPr lang="en-US" sz="2000" b="0" i="1" dirty="0">
+                <a:solidFill>
+                  <a:srgbClr val="292929"/>
+                </a:solidFill>
+                <a:effectLst/>
+                <a:latin typeface="Menlo" panose="020B0609030804020204" pitchFamily="49" charset="0"/>
+              </a:rPr>
+              <a:t>class </a:t>
+            </a:r>
+            <a:r>
+              <a:rPr lang="en-US" sz="2000" b="0" i="0" dirty="0" err="1">
+                <a:solidFill>
+                  <a:srgbClr val="292929"/>
+                </a:solidFill>
+                <a:effectLst/>
+                <a:latin typeface="Menlo" panose="020B0609030804020204" pitchFamily="49" charset="0"/>
+              </a:rPr>
+              <a:t>sklearn.ensemble.</a:t>
+            </a:r>
+            <a:r>
+              <a:rPr lang="en-US" sz="2000" b="1" i="0" dirty="0" err="1">
+                <a:solidFill>
+                  <a:srgbClr val="292929"/>
+                </a:solidFill>
+                <a:effectLst/>
+                <a:latin typeface="Menlo" panose="020B0609030804020204" pitchFamily="49" charset="0"/>
+              </a:rPr>
+              <a:t>RandomForestRegressor</a:t>
+            </a:r>
+            <a:r>
+              <a:rPr lang="en-US" sz="2000" b="0" i="0" dirty="0">
+                <a:solidFill>
+                  <a:srgbClr val="292929"/>
+                </a:solidFill>
+                <a:effectLst/>
+                <a:latin typeface="Menlo" panose="020B0609030804020204" pitchFamily="49" charset="0"/>
+              </a:rPr>
+              <a:t>(</a:t>
+            </a:r>
+            <a:r>
+              <a:rPr lang="en-US" sz="2000" b="0" i="1" dirty="0" err="1">
+                <a:solidFill>
+                  <a:srgbClr val="292929"/>
+                </a:solidFill>
+                <a:effectLst/>
+                <a:latin typeface="Menlo" panose="020B0609030804020204" pitchFamily="49" charset="0"/>
+              </a:rPr>
+              <a:t>n_estimators</a:t>
+            </a:r>
+            <a:r>
+              <a:rPr lang="en-US" sz="2000" b="0" i="1" dirty="0">
+                <a:solidFill>
+                  <a:srgbClr val="292929"/>
+                </a:solidFill>
+                <a:effectLst/>
+                <a:latin typeface="Menlo" panose="020B0609030804020204" pitchFamily="49" charset="0"/>
+              </a:rPr>
+              <a:t>=10</a:t>
+            </a:r>
+            <a:r>
+              <a:rPr lang="en-US" sz="2000" b="0" i="0" dirty="0">
+                <a:solidFill>
+                  <a:srgbClr val="292929"/>
+                </a:solidFill>
+                <a:effectLst/>
+                <a:latin typeface="Menlo" panose="020B0609030804020204" pitchFamily="49" charset="0"/>
+              </a:rPr>
+              <a:t>, </a:t>
+            </a:r>
+            <a:r>
+              <a:rPr lang="en-US" sz="2000" b="0" i="1" dirty="0">
+                <a:solidFill>
+                  <a:srgbClr val="292929"/>
+                </a:solidFill>
+                <a:effectLst/>
+                <a:latin typeface="Menlo" panose="020B0609030804020204" pitchFamily="49" charset="0"/>
+              </a:rPr>
+              <a:t>criterion=’</a:t>
+            </a:r>
+            <a:r>
+              <a:rPr lang="en-US" sz="2000" b="0" i="1" dirty="0" err="1">
+                <a:solidFill>
+                  <a:srgbClr val="292929"/>
+                </a:solidFill>
+                <a:effectLst/>
+                <a:latin typeface="Menlo" panose="020B0609030804020204" pitchFamily="49" charset="0"/>
+              </a:rPr>
+              <a:t>mse</a:t>
+            </a:r>
+            <a:r>
+              <a:rPr lang="en-US" sz="2000" b="0" i="1" dirty="0">
+                <a:solidFill>
+                  <a:srgbClr val="292929"/>
+                </a:solidFill>
+                <a:effectLst/>
+                <a:latin typeface="Menlo" panose="020B0609030804020204" pitchFamily="49" charset="0"/>
+              </a:rPr>
+              <a:t>’</a:t>
+            </a:r>
+            <a:r>
+              <a:rPr lang="en-US" sz="2000" b="0" i="0" dirty="0">
+                <a:solidFill>
+                  <a:srgbClr val="292929"/>
+                </a:solidFill>
+                <a:effectLst/>
+                <a:latin typeface="Menlo" panose="020B0609030804020204" pitchFamily="49" charset="0"/>
+              </a:rPr>
+              <a:t>, </a:t>
+            </a:r>
+            <a:r>
+              <a:rPr lang="en-US" sz="2000" b="0" i="1" dirty="0" err="1">
+                <a:solidFill>
+                  <a:srgbClr val="292929"/>
+                </a:solidFill>
+                <a:effectLst/>
+                <a:latin typeface="Menlo" panose="020B0609030804020204" pitchFamily="49" charset="0"/>
+              </a:rPr>
+              <a:t>max_depth</a:t>
+            </a:r>
+            <a:r>
+              <a:rPr lang="en-US" sz="2000" b="0" i="1" dirty="0">
+                <a:solidFill>
+                  <a:srgbClr val="292929"/>
+                </a:solidFill>
+                <a:effectLst/>
+                <a:latin typeface="Menlo" panose="020B0609030804020204" pitchFamily="49" charset="0"/>
+              </a:rPr>
+              <a:t>=None</a:t>
+            </a:r>
+            <a:r>
+              <a:rPr lang="en-US" sz="2000" b="0" i="0" dirty="0">
+                <a:solidFill>
+                  <a:srgbClr val="292929"/>
+                </a:solidFill>
+                <a:effectLst/>
+                <a:latin typeface="Menlo" panose="020B0609030804020204" pitchFamily="49" charset="0"/>
+              </a:rPr>
+              <a:t>, </a:t>
+            </a:r>
+            <a:r>
+              <a:rPr lang="en-US" sz="2000" b="0" i="1" dirty="0" err="1">
+                <a:solidFill>
+                  <a:srgbClr val="292929"/>
+                </a:solidFill>
+                <a:effectLst/>
+                <a:latin typeface="Menlo" panose="020B0609030804020204" pitchFamily="49" charset="0"/>
+              </a:rPr>
+              <a:t>min_samples_split</a:t>
+            </a:r>
+            <a:r>
+              <a:rPr lang="en-US" sz="2000" b="0" i="1" dirty="0">
+                <a:solidFill>
+                  <a:srgbClr val="292929"/>
+                </a:solidFill>
+                <a:effectLst/>
+                <a:latin typeface="Menlo" panose="020B0609030804020204" pitchFamily="49" charset="0"/>
+              </a:rPr>
+              <a:t>=2</a:t>
+            </a:r>
+            <a:r>
+              <a:rPr lang="en-US" sz="2000" b="0" i="0" dirty="0">
+                <a:solidFill>
+                  <a:srgbClr val="292929"/>
+                </a:solidFill>
+                <a:effectLst/>
+                <a:latin typeface="Menlo" panose="020B0609030804020204" pitchFamily="49" charset="0"/>
+              </a:rPr>
+              <a:t>, </a:t>
+            </a:r>
+            <a:r>
+              <a:rPr lang="en-US" sz="2000" b="0" i="1" dirty="0" err="1">
+                <a:solidFill>
+                  <a:srgbClr val="292929"/>
+                </a:solidFill>
+                <a:effectLst/>
+                <a:latin typeface="Menlo" panose="020B0609030804020204" pitchFamily="49" charset="0"/>
+              </a:rPr>
+              <a:t>min_samples_leaf</a:t>
+            </a:r>
+            <a:r>
+              <a:rPr lang="en-US" sz="2000" b="0" i="1" dirty="0">
+                <a:solidFill>
+                  <a:srgbClr val="292929"/>
+                </a:solidFill>
+                <a:effectLst/>
+                <a:latin typeface="Menlo" panose="020B0609030804020204" pitchFamily="49" charset="0"/>
+              </a:rPr>
+              <a:t>=1</a:t>
+            </a:r>
+            <a:r>
+              <a:rPr lang="en-US" sz="2000" b="0" i="0" dirty="0">
+                <a:solidFill>
+                  <a:srgbClr val="292929"/>
+                </a:solidFill>
+                <a:effectLst/>
+                <a:latin typeface="Menlo" panose="020B0609030804020204" pitchFamily="49" charset="0"/>
+              </a:rPr>
+              <a:t>, </a:t>
+            </a:r>
+            <a:r>
+              <a:rPr lang="en-US" sz="2000" b="0" i="1" dirty="0" err="1">
+                <a:solidFill>
+                  <a:srgbClr val="292929"/>
+                </a:solidFill>
+                <a:effectLst/>
+                <a:latin typeface="Menlo" panose="020B0609030804020204" pitchFamily="49" charset="0"/>
+              </a:rPr>
+              <a:t>min_weight_fraction_leaf</a:t>
+            </a:r>
+            <a:r>
+              <a:rPr lang="en-US" sz="2000" b="0" i="1" dirty="0">
+                <a:solidFill>
+                  <a:srgbClr val="292929"/>
+                </a:solidFill>
+                <a:effectLst/>
+                <a:latin typeface="Menlo" panose="020B0609030804020204" pitchFamily="49" charset="0"/>
+              </a:rPr>
+              <a:t>=0.0</a:t>
+            </a:r>
+            <a:r>
+              <a:rPr lang="en-US" sz="2000" b="0" i="0" dirty="0">
+                <a:solidFill>
+                  <a:srgbClr val="292929"/>
+                </a:solidFill>
+                <a:effectLst/>
+                <a:latin typeface="Menlo" panose="020B0609030804020204" pitchFamily="49" charset="0"/>
+              </a:rPr>
+              <a:t>, </a:t>
+            </a:r>
+            <a:r>
+              <a:rPr lang="en-US" sz="2000" b="0" i="1" dirty="0" err="1">
+                <a:solidFill>
+                  <a:srgbClr val="292929"/>
+                </a:solidFill>
+                <a:effectLst/>
+                <a:latin typeface="Menlo" panose="020B0609030804020204" pitchFamily="49" charset="0"/>
+              </a:rPr>
+              <a:t>max_features</a:t>
+            </a:r>
+            <a:r>
+              <a:rPr lang="en-US" sz="2000" b="0" i="1" dirty="0">
+                <a:solidFill>
+                  <a:srgbClr val="292929"/>
+                </a:solidFill>
+                <a:effectLst/>
+                <a:latin typeface="Menlo" panose="020B0609030804020204" pitchFamily="49" charset="0"/>
+              </a:rPr>
+              <a:t>=’auto’</a:t>
+            </a:r>
+            <a:r>
+              <a:rPr lang="en-US" sz="2000" b="0" i="0" dirty="0">
+                <a:solidFill>
+                  <a:srgbClr val="292929"/>
+                </a:solidFill>
+                <a:effectLst/>
+                <a:latin typeface="Menlo" panose="020B0609030804020204" pitchFamily="49" charset="0"/>
+              </a:rPr>
+              <a:t>, </a:t>
+            </a:r>
+            <a:r>
+              <a:rPr lang="en-US" sz="2000" b="0" i="1" dirty="0" err="1">
+                <a:solidFill>
+                  <a:srgbClr val="292929"/>
+                </a:solidFill>
+                <a:effectLst/>
+                <a:latin typeface="Menlo" panose="020B0609030804020204" pitchFamily="49" charset="0"/>
+              </a:rPr>
+              <a:t>max_leaf_nodes</a:t>
+            </a:r>
+            <a:r>
+              <a:rPr lang="en-US" sz="2000" b="0" i="1" dirty="0">
+                <a:solidFill>
+                  <a:srgbClr val="292929"/>
+                </a:solidFill>
+                <a:effectLst/>
+                <a:latin typeface="Menlo" panose="020B0609030804020204" pitchFamily="49" charset="0"/>
+              </a:rPr>
+              <a:t>=None</a:t>
+            </a:r>
+            <a:r>
+              <a:rPr lang="en-US" sz="2000" b="0" i="0" dirty="0">
+                <a:solidFill>
+                  <a:srgbClr val="292929"/>
+                </a:solidFill>
+                <a:effectLst/>
+                <a:latin typeface="Menlo" panose="020B0609030804020204" pitchFamily="49" charset="0"/>
+              </a:rPr>
+              <a:t>, </a:t>
+            </a:r>
+            <a:r>
+              <a:rPr lang="en-US" sz="2000" b="0" i="1" dirty="0" err="1">
+                <a:solidFill>
+                  <a:srgbClr val="292929"/>
+                </a:solidFill>
+                <a:effectLst/>
+                <a:latin typeface="Menlo" panose="020B0609030804020204" pitchFamily="49" charset="0"/>
+              </a:rPr>
+              <a:t>min_impurity_decrease</a:t>
+            </a:r>
+            <a:r>
+              <a:rPr lang="en-US" sz="2000" b="0" i="1" dirty="0">
+                <a:solidFill>
+                  <a:srgbClr val="292929"/>
+                </a:solidFill>
+                <a:effectLst/>
+                <a:latin typeface="Menlo" panose="020B0609030804020204" pitchFamily="49" charset="0"/>
+              </a:rPr>
+              <a:t>=0.0</a:t>
+            </a:r>
+            <a:r>
+              <a:rPr lang="en-US" sz="2000" b="0" i="0" dirty="0">
+                <a:solidFill>
+                  <a:srgbClr val="292929"/>
+                </a:solidFill>
+                <a:effectLst/>
+                <a:latin typeface="Menlo" panose="020B0609030804020204" pitchFamily="49" charset="0"/>
+              </a:rPr>
+              <a:t>, </a:t>
+            </a:r>
+            <a:r>
+              <a:rPr lang="en-US" sz="2000" b="0" i="1" dirty="0" err="1">
+                <a:solidFill>
+                  <a:srgbClr val="292929"/>
+                </a:solidFill>
+                <a:effectLst/>
+                <a:latin typeface="Menlo" panose="020B0609030804020204" pitchFamily="49" charset="0"/>
+              </a:rPr>
+              <a:t>min_impurity_split</a:t>
+            </a:r>
+            <a:r>
+              <a:rPr lang="en-US" sz="2000" b="0" i="1" dirty="0">
+                <a:solidFill>
+                  <a:srgbClr val="292929"/>
+                </a:solidFill>
+                <a:effectLst/>
+                <a:latin typeface="Menlo" panose="020B0609030804020204" pitchFamily="49" charset="0"/>
+              </a:rPr>
+              <a:t>=None</a:t>
+            </a:r>
+            <a:r>
+              <a:rPr lang="en-US" sz="2000" b="0" i="0" dirty="0">
+                <a:solidFill>
+                  <a:srgbClr val="292929"/>
+                </a:solidFill>
+                <a:effectLst/>
+                <a:latin typeface="Menlo" panose="020B0609030804020204" pitchFamily="49" charset="0"/>
+              </a:rPr>
+              <a:t>, </a:t>
+            </a:r>
+            <a:r>
+              <a:rPr lang="en-US" sz="2000" b="0" i="1" dirty="0">
+                <a:solidFill>
+                  <a:srgbClr val="292929"/>
+                </a:solidFill>
+                <a:effectLst/>
+                <a:latin typeface="Menlo" panose="020B0609030804020204" pitchFamily="49" charset="0"/>
+              </a:rPr>
+              <a:t>bootstrap=True</a:t>
+            </a:r>
+            <a:r>
+              <a:rPr lang="en-US" sz="2000" b="0" i="0" dirty="0">
+                <a:solidFill>
+                  <a:srgbClr val="292929"/>
+                </a:solidFill>
+                <a:effectLst/>
+                <a:latin typeface="Menlo" panose="020B0609030804020204" pitchFamily="49" charset="0"/>
+              </a:rPr>
+              <a:t>, </a:t>
+            </a:r>
+            <a:r>
+              <a:rPr lang="en-US" sz="2000" b="0" i="1" dirty="0" err="1">
+                <a:solidFill>
+                  <a:srgbClr val="292929"/>
+                </a:solidFill>
+                <a:effectLst/>
+                <a:latin typeface="Menlo" panose="020B0609030804020204" pitchFamily="49" charset="0"/>
+              </a:rPr>
+              <a:t>oob_score</a:t>
+            </a:r>
+            <a:r>
+              <a:rPr lang="en-US" sz="2000" b="0" i="1" dirty="0">
+                <a:solidFill>
+                  <a:srgbClr val="292929"/>
+                </a:solidFill>
+                <a:effectLst/>
+                <a:latin typeface="Menlo" panose="020B0609030804020204" pitchFamily="49" charset="0"/>
+              </a:rPr>
+              <a:t>=False</a:t>
+            </a:r>
+            <a:r>
+              <a:rPr lang="en-US" sz="2000" b="0" i="0" dirty="0">
+                <a:solidFill>
+                  <a:srgbClr val="292929"/>
+                </a:solidFill>
+                <a:effectLst/>
+                <a:latin typeface="Menlo" panose="020B0609030804020204" pitchFamily="49" charset="0"/>
+              </a:rPr>
+              <a:t>, </a:t>
+            </a:r>
+            <a:r>
+              <a:rPr lang="en-US" sz="2000" b="0" i="1" dirty="0" err="1">
+                <a:solidFill>
+                  <a:srgbClr val="292929"/>
+                </a:solidFill>
+                <a:effectLst/>
+                <a:latin typeface="Menlo" panose="020B0609030804020204" pitchFamily="49" charset="0"/>
+              </a:rPr>
+              <a:t>n_jobs</a:t>
+            </a:r>
+            <a:r>
+              <a:rPr lang="en-US" sz="2000" b="0" i="1" dirty="0">
+                <a:solidFill>
+                  <a:srgbClr val="292929"/>
+                </a:solidFill>
+                <a:effectLst/>
+                <a:latin typeface="Menlo" panose="020B0609030804020204" pitchFamily="49" charset="0"/>
+              </a:rPr>
+              <a:t>=1</a:t>
+            </a:r>
+            <a:r>
+              <a:rPr lang="en-US" sz="2000" b="0" i="0" dirty="0">
+                <a:solidFill>
+                  <a:srgbClr val="292929"/>
+                </a:solidFill>
+                <a:effectLst/>
+                <a:latin typeface="Menlo" panose="020B0609030804020204" pitchFamily="49" charset="0"/>
+              </a:rPr>
+              <a:t>, </a:t>
+            </a:r>
+            <a:r>
+              <a:rPr lang="en-US" sz="2000" b="0" i="1" dirty="0" err="1">
+                <a:solidFill>
+                  <a:srgbClr val="292929"/>
+                </a:solidFill>
+                <a:effectLst/>
+                <a:latin typeface="Menlo" panose="020B0609030804020204" pitchFamily="49" charset="0"/>
+              </a:rPr>
+              <a:t>random_state</a:t>
+            </a:r>
+            <a:r>
+              <a:rPr lang="en-US" sz="2000" b="0" i="1" dirty="0">
+                <a:solidFill>
+                  <a:srgbClr val="292929"/>
+                </a:solidFill>
+                <a:effectLst/>
+                <a:latin typeface="Menlo" panose="020B0609030804020204" pitchFamily="49" charset="0"/>
+              </a:rPr>
+              <a:t>=None</a:t>
+            </a:r>
+            <a:r>
+              <a:rPr lang="en-US" sz="2000" b="0" i="0" dirty="0">
+                <a:solidFill>
+                  <a:srgbClr val="292929"/>
+                </a:solidFill>
+                <a:effectLst/>
+                <a:latin typeface="Menlo" panose="020B0609030804020204" pitchFamily="49" charset="0"/>
+              </a:rPr>
+              <a:t>, </a:t>
+            </a:r>
+            <a:r>
+              <a:rPr lang="en-US" sz="2000" b="0" i="1" dirty="0">
+                <a:solidFill>
+                  <a:srgbClr val="292929"/>
+                </a:solidFill>
+                <a:effectLst/>
+                <a:latin typeface="Menlo" panose="020B0609030804020204" pitchFamily="49" charset="0"/>
+              </a:rPr>
+              <a:t>verbose=0</a:t>
+            </a:r>
+            <a:r>
+              <a:rPr lang="en-US" sz="2000" b="0" i="0" dirty="0">
+                <a:solidFill>
+                  <a:srgbClr val="292929"/>
+                </a:solidFill>
+                <a:effectLst/>
+                <a:latin typeface="Menlo" panose="020B0609030804020204" pitchFamily="49" charset="0"/>
+              </a:rPr>
+              <a:t>, </a:t>
+            </a:r>
+            <a:r>
+              <a:rPr lang="en-US" sz="2000" b="0" i="1" dirty="0" err="1">
+                <a:solidFill>
+                  <a:srgbClr val="292929"/>
+                </a:solidFill>
+                <a:effectLst/>
+                <a:latin typeface="Menlo" panose="020B0609030804020204" pitchFamily="49" charset="0"/>
+              </a:rPr>
+              <a:t>warm_start</a:t>
+            </a:r>
+            <a:r>
+              <a:rPr lang="en-US" sz="2000" b="0" i="1" dirty="0">
+                <a:solidFill>
+                  <a:srgbClr val="292929"/>
+                </a:solidFill>
+                <a:effectLst/>
+                <a:latin typeface="Menlo" panose="020B0609030804020204" pitchFamily="49" charset="0"/>
+              </a:rPr>
+              <a:t>=False</a:t>
+            </a:r>
+            <a:endParaRPr lang="en-US" sz="2000" dirty="0"/>
+          </a:p>
+        </p:txBody>
+      </p:sp>
+      <p:sp>
+        <p:nvSpPr>
+          <p:cNvPr id="5" name="TextBox 4">
+            <a:extLst>
+              <a:ext uri="{FF2B5EF4-FFF2-40B4-BE49-F238E27FC236}">
+                <a16:creationId xmlns:a16="http://schemas.microsoft.com/office/drawing/2014/main" id="{04656EE9-A880-A2ED-301E-1BD72875E2EB}"/>
+              </a:ext>
+            </a:extLst>
+          </p:cNvPr>
+          <p:cNvSpPr txBox="1"/>
+          <p:nvPr/>
+        </p:nvSpPr>
+        <p:spPr>
+          <a:xfrm>
+            <a:off x="489139" y="3352800"/>
+            <a:ext cx="11213721" cy="830997"/>
+          </a:xfrm>
+          <a:prstGeom prst="rect">
+            <a:avLst/>
+          </a:prstGeom>
+          <a:noFill/>
+        </p:spPr>
+        <p:txBody>
+          <a:bodyPr wrap="square">
+            <a:spAutoFit/>
+          </a:bodyPr>
+          <a:lstStyle/>
+          <a:p>
+            <a:pPr algn="ctr"/>
+            <a:r>
+              <a:rPr lang="en-US" dirty="0"/>
+              <a:t>Need to remember:</a:t>
+            </a:r>
+          </a:p>
+          <a:p>
+            <a:pPr algn="ctr"/>
+            <a:r>
+              <a:rPr lang="en-US" b="1" dirty="0" err="1"/>
+              <a:t>n_estimators</a:t>
+            </a:r>
+            <a:r>
+              <a:rPr lang="en-US" b="1" i="0" dirty="0">
+                <a:solidFill>
+                  <a:srgbClr val="292929"/>
+                </a:solidFill>
+                <a:effectLst/>
+                <a:latin typeface="source-serif-pro"/>
+              </a:rPr>
+              <a:t>, </a:t>
+            </a:r>
+            <a:r>
+              <a:rPr lang="en-US" b="1" dirty="0" err="1"/>
+              <a:t>max_depth</a:t>
+            </a:r>
+            <a:r>
+              <a:rPr lang="en-US" b="1" i="0" dirty="0">
+                <a:solidFill>
+                  <a:srgbClr val="292929"/>
+                </a:solidFill>
+                <a:effectLst/>
+                <a:latin typeface="source-serif-pro"/>
+              </a:rPr>
+              <a:t>, </a:t>
+            </a:r>
+            <a:r>
+              <a:rPr lang="en-US" b="1" dirty="0" err="1"/>
+              <a:t>min_samples_leaf</a:t>
+            </a:r>
+            <a:r>
+              <a:rPr lang="en-US" b="1" i="0" dirty="0">
+                <a:solidFill>
+                  <a:srgbClr val="292929"/>
+                </a:solidFill>
+                <a:effectLst/>
+                <a:latin typeface="source-serif-pro"/>
+              </a:rPr>
+              <a:t>, and </a:t>
+            </a:r>
+            <a:r>
+              <a:rPr lang="en-US" b="1" dirty="0" err="1"/>
+              <a:t>max_features</a:t>
+            </a:r>
+            <a:endParaRPr lang="en-US" b="1" dirty="0"/>
+          </a:p>
+        </p:txBody>
+      </p:sp>
+      <p:sp>
+        <p:nvSpPr>
+          <p:cNvPr id="9" name="TextBox 8">
+            <a:extLst>
+              <a:ext uri="{FF2B5EF4-FFF2-40B4-BE49-F238E27FC236}">
+                <a16:creationId xmlns:a16="http://schemas.microsoft.com/office/drawing/2014/main" id="{9AA1935E-5FA0-29DC-DC4A-3AFE39513EB3}"/>
+              </a:ext>
+            </a:extLst>
+          </p:cNvPr>
+          <p:cNvSpPr txBox="1"/>
+          <p:nvPr/>
+        </p:nvSpPr>
+        <p:spPr>
+          <a:xfrm>
+            <a:off x="288830" y="4279041"/>
+            <a:ext cx="11655520" cy="2246769"/>
+          </a:xfrm>
+          <a:prstGeom prst="rect">
+            <a:avLst/>
+          </a:prstGeom>
+          <a:noFill/>
+        </p:spPr>
+        <p:txBody>
+          <a:bodyPr wrap="square">
+            <a:spAutoFit/>
+          </a:bodyPr>
+          <a:lstStyle/>
+          <a:p>
+            <a:r>
+              <a:rPr lang="en-US" sz="2000" b="1" dirty="0" err="1"/>
+              <a:t>n_estimators</a:t>
+            </a:r>
+            <a:r>
+              <a:rPr lang="en-US" sz="2000" b="1" i="0" dirty="0">
+                <a:solidFill>
+                  <a:srgbClr val="292929"/>
+                </a:solidFill>
+                <a:effectLst/>
+                <a:latin typeface="source-serif-pro"/>
+              </a:rPr>
+              <a:t> </a:t>
+            </a:r>
+            <a:r>
+              <a:rPr lang="en-US" sz="2000" b="0" i="0" dirty="0">
+                <a:solidFill>
+                  <a:srgbClr val="292929"/>
+                </a:solidFill>
+                <a:effectLst/>
+                <a:latin typeface="source-serif-pro"/>
+              </a:rPr>
+              <a:t>is simply the number of trees. </a:t>
+            </a:r>
+            <a:r>
+              <a:rPr lang="en-US" sz="2000" b="1" i="0" dirty="0">
+                <a:solidFill>
+                  <a:srgbClr val="292929"/>
+                </a:solidFill>
+                <a:effectLst/>
+                <a:latin typeface="source-serif-pro"/>
+              </a:rPr>
+              <a:t>The more uncorrelated trees in our forest, the closer their errors get to average.</a:t>
+            </a:r>
+          </a:p>
+          <a:p>
+            <a:r>
+              <a:rPr lang="en-US" sz="2000" b="1" dirty="0" err="1"/>
+              <a:t>max_depth</a:t>
+            </a:r>
+            <a:r>
+              <a:rPr lang="en-US" sz="2000" b="1" i="0" dirty="0">
+                <a:solidFill>
+                  <a:srgbClr val="292929"/>
+                </a:solidFill>
+                <a:effectLst/>
+                <a:latin typeface="source-serif-pro"/>
+              </a:rPr>
+              <a:t> </a:t>
+            </a:r>
+            <a:r>
+              <a:rPr lang="en-US" sz="2000" b="0" i="0" dirty="0">
+                <a:solidFill>
+                  <a:srgbClr val="292929"/>
+                </a:solidFill>
+                <a:effectLst/>
+                <a:latin typeface="source-serif-pro"/>
+              </a:rPr>
+              <a:t>is how many splits deep you want each tree to go. </a:t>
+            </a:r>
+            <a:r>
+              <a:rPr lang="en-US" sz="2000" dirty="0" err="1"/>
+              <a:t>max_depth</a:t>
+            </a:r>
+            <a:r>
+              <a:rPr lang="en-US" sz="2000" dirty="0"/>
+              <a:t> = 50</a:t>
+            </a:r>
+            <a:r>
+              <a:rPr lang="en-US" sz="2000" b="0" i="0" dirty="0">
+                <a:solidFill>
+                  <a:srgbClr val="292929"/>
+                </a:solidFill>
+                <a:effectLst/>
+                <a:latin typeface="source-serif-pro"/>
+              </a:rPr>
+              <a:t>, for example, would limit trees to at most 50 splits down any given branch.</a:t>
+            </a:r>
+          </a:p>
+          <a:p>
+            <a:r>
+              <a:rPr lang="en-US" sz="2000" b="1" dirty="0" err="1"/>
+              <a:t>min_samples_leaf</a:t>
+            </a:r>
+            <a:r>
+              <a:rPr lang="en-US" sz="2000" b="1" dirty="0"/>
+              <a:t>= 10 </a:t>
+            </a:r>
+            <a:r>
+              <a:rPr lang="en-US" sz="2000" b="0" i="0" dirty="0">
+                <a:solidFill>
+                  <a:srgbClr val="292929"/>
+                </a:solidFill>
+                <a:effectLst/>
+                <a:latin typeface="source-serif-pro"/>
+              </a:rPr>
+              <a:t>tells each tree to stop splitting if doing so would result in the end node of any resulting branch having less than 10 leaves.</a:t>
+            </a:r>
+          </a:p>
+          <a:p>
+            <a:r>
+              <a:rPr lang="en-US" sz="2000" b="1" dirty="0" err="1"/>
+              <a:t>max_features</a:t>
+            </a:r>
+            <a:r>
+              <a:rPr lang="en-US" sz="2000" b="1" i="0" dirty="0">
+                <a:solidFill>
+                  <a:srgbClr val="292929"/>
+                </a:solidFill>
+                <a:effectLst/>
+                <a:latin typeface="source-serif-pro"/>
+              </a:rPr>
+              <a:t> </a:t>
+            </a:r>
+            <a:r>
+              <a:rPr lang="en-US" sz="2000" b="0" i="0" dirty="0">
+                <a:solidFill>
+                  <a:srgbClr val="292929"/>
+                </a:solidFill>
+                <a:effectLst/>
+                <a:latin typeface="source-serif-pro"/>
+              </a:rPr>
+              <a:t>tells each tree how many features to check when looking for the best split to make</a:t>
+            </a:r>
+            <a:endParaRPr lang="en-US" sz="2000" dirty="0"/>
+          </a:p>
+        </p:txBody>
+      </p:sp>
+    </p:spTree>
+    <p:extLst>
+      <p:ext uri="{BB962C8B-B14F-4D97-AF65-F5344CB8AC3E}">
+        <p14:creationId xmlns:p14="http://schemas.microsoft.com/office/powerpoint/2010/main" val="2973320185"/>
+      </p:ext>
+    </p:extLst>
+  </p:cSld>
+  <p:clrMapOvr>
+    <a:masterClrMapping/>
+  </p:clrMapOvr>
+</p:sld>
+</file>
+
+<file path=ppt/slides/slide8.xml><?xml version="1.0" encoding="utf-8"?>
+<p:sld xmlns:a="http://schemas.openxmlformats.org/drawingml/2006/main" xmlns:r="http://schemas.openxmlformats.org/officeDocument/2006/relationships" xmlns:p="http://schemas.openxmlformats.org/presentationml/2006/main">
+  <p:cSld>
+    <p:spTree>
+      <p:nvGrpSpPr>
+        <p:cNvPr id="1" name=""/>
+        <p:cNvGrpSpPr/>
+        <p:nvPr/>
+      </p:nvGrpSpPr>
+      <p:grpSpPr>
+        <a:xfrm>
+          <a:off x="0" y="0"/>
+          <a:ext cx="0" cy="0"/>
+          <a:chOff x="0" y="0"/>
+          <a:chExt cx="0" cy="0"/>
+        </a:xfrm>
+      </p:grpSpPr>
+      <p:sp>
+        <p:nvSpPr>
+          <p:cNvPr id="4" name="Google Shape;95;p14">
+            <a:extLst>
+              <a:ext uri="{FF2B5EF4-FFF2-40B4-BE49-F238E27FC236}">
+                <a16:creationId xmlns:a16="http://schemas.microsoft.com/office/drawing/2014/main" id="{7AA49D2C-990C-79CB-7258-A122CD8D71F7}"/>
+              </a:ext>
+            </a:extLst>
+          </p:cNvPr>
+          <p:cNvSpPr txBox="1">
+            <a:spLocks/>
+          </p:cNvSpPr>
+          <p:nvPr/>
+        </p:nvSpPr>
+        <p:spPr>
+          <a:xfrm>
+            <a:off x="717173" y="696913"/>
+            <a:ext cx="10972800" cy="506789"/>
+          </a:xfrm>
+          <a:prstGeom prst="rect">
+            <a:avLst/>
+          </a:prstGeom>
+        </p:spPr>
+        <p:txBody>
+          <a:bodyPr spcFirstLastPara="1" wrap="square" lIns="121900" tIns="121900" rIns="121900" bIns="121900" anchor="ctr" anchorCtr="0">
+            <a:noAutofit/>
+          </a:bodyPr>
+          <a:lstStyle>
+            <a:lvl1pPr algn="ctr" defTabSz="609585" rtl="0" eaLnBrk="1" latinLnBrk="0" hangingPunct="1">
+              <a:spcBef>
+                <a:spcPct val="0"/>
+              </a:spcBef>
+              <a:buNone/>
+              <a:defRPr sz="5867" kern="1200">
+                <a:solidFill>
+                  <a:schemeClr val="tx1"/>
+                </a:solidFill>
+                <a:latin typeface="+mj-lt"/>
+                <a:ea typeface="+mj-ea"/>
+                <a:cs typeface="+mj-cs"/>
+              </a:defRPr>
+            </a:lvl1pPr>
+          </a:lstStyle>
+          <a:p>
+            <a:r>
+              <a:rPr lang="en-US" sz="4000" b="1" dirty="0">
+                <a:solidFill>
+                  <a:srgbClr val="E46102"/>
+                </a:solidFill>
+              </a:rPr>
+              <a:t>Random Forests</a:t>
+            </a:r>
+          </a:p>
+        </p:txBody>
+      </p:sp>
+      <p:sp>
+        <p:nvSpPr>
           <p:cNvPr id="6" name="Content Placeholder 2">
             <a:extLst>
               <a:ext uri="{FF2B5EF4-FFF2-40B4-BE49-F238E27FC236}">
@@ -5990,7 +7186,7 @@
               <a:rPr lang="en-US" sz="2400" dirty="0">
                 <a:effectLst/>
               </a:rPr>
-              <a:t>results in a greater tree diversity</a:t>
+              <a:t>this results in a greater tree diversity</a:t>
             </a:r>
           </a:p>
           <a:p>
@@ -6031,7 +7227,7 @@
 </p:sld>
 </file>
 
-<file path=ppt/slides/slide8.xml><?xml version="1.0" encoding="utf-8"?>
+<file path=ppt/slides/slide9.xml><?xml version="1.0" encoding="utf-8"?>
 <p:sld xmlns:a="http://schemas.openxmlformats.org/drawingml/2006/main" xmlns:r="http://schemas.openxmlformats.org/officeDocument/2006/relationships" xmlns:p="http://schemas.openxmlformats.org/presentationml/2006/main">
   <p:cSld>
     <p:spTree>
@@ -6440,338 +7636,6 @@
     <p:extLst>
       <p:ext uri="{BB962C8B-B14F-4D97-AF65-F5344CB8AC3E}">
         <p14:creationId xmlns:p14="http://schemas.microsoft.com/office/powerpoint/2010/main" val="3236036934"/>
-      </p:ext>
-    </p:extLst>
-  </p:cSld>
-  <p:clrMapOvr>
-    <a:masterClrMapping/>
-  </p:clrMapOvr>
-</p:sld>
-</file>
-
-<file path=ppt/slides/slide9.xml><?xml version="1.0" encoding="utf-8"?>
-<p:sld xmlns:a="http://schemas.openxmlformats.org/drawingml/2006/main" xmlns:r="http://schemas.openxmlformats.org/officeDocument/2006/relationships" xmlns:p="http://schemas.openxmlformats.org/presentationml/2006/main">
-  <p:cSld>
-    <p:spTree>
-      <p:nvGrpSpPr>
-        <p:cNvPr id="1" name=""/>
-        <p:cNvGrpSpPr/>
-        <p:nvPr/>
-      </p:nvGrpSpPr>
-      <p:grpSpPr>
-        <a:xfrm>
-          <a:off x="0" y="0"/>
-          <a:ext cx="0" cy="0"/>
-          <a:chOff x="0" y="0"/>
-          <a:chExt cx="0" cy="0"/>
-        </a:xfrm>
-      </p:grpSpPr>
-      <p:sp>
-        <p:nvSpPr>
-          <p:cNvPr id="4" name="Google Shape;95;p14">
-            <a:extLst>
-              <a:ext uri="{FF2B5EF4-FFF2-40B4-BE49-F238E27FC236}">
-                <a16:creationId xmlns:a16="http://schemas.microsoft.com/office/drawing/2014/main" id="{7AA49D2C-990C-79CB-7258-A122CD8D71F7}"/>
-              </a:ext>
-            </a:extLst>
-          </p:cNvPr>
-          <p:cNvSpPr txBox="1">
-            <a:spLocks/>
-          </p:cNvSpPr>
-          <p:nvPr/>
-        </p:nvSpPr>
-        <p:spPr>
-          <a:xfrm>
-            <a:off x="717173" y="696913"/>
-            <a:ext cx="10972800" cy="506789"/>
-          </a:xfrm>
-          <a:prstGeom prst="rect">
-            <a:avLst/>
-          </a:prstGeom>
-        </p:spPr>
-        <p:txBody>
-          <a:bodyPr spcFirstLastPara="1" wrap="square" lIns="121900" tIns="121900" rIns="121900" bIns="121900" anchor="ctr" anchorCtr="0">
-            <a:noAutofit/>
-          </a:bodyPr>
-          <a:lstStyle>
-            <a:lvl1pPr algn="ctr" defTabSz="609585" rtl="0" eaLnBrk="1" latinLnBrk="0" hangingPunct="1">
-              <a:spcBef>
-                <a:spcPct val="0"/>
-              </a:spcBef>
-              <a:buNone/>
-              <a:defRPr sz="5867" kern="1200">
-                <a:solidFill>
-                  <a:schemeClr val="tx1"/>
-                </a:solidFill>
-                <a:latin typeface="+mj-lt"/>
-                <a:ea typeface="+mj-ea"/>
-                <a:cs typeface="+mj-cs"/>
-              </a:defRPr>
-            </a:lvl1pPr>
-          </a:lstStyle>
-          <a:p>
-            <a:r>
-              <a:rPr lang="en-US" sz="4000" b="1" dirty="0">
-                <a:solidFill>
-                  <a:srgbClr val="E46102"/>
-                </a:solidFill>
-              </a:rPr>
-              <a:t>Explanations using Random Forests</a:t>
-            </a:r>
-          </a:p>
-        </p:txBody>
-      </p:sp>
-      <p:sp>
-        <p:nvSpPr>
-          <p:cNvPr id="6" name="Content Placeholder 2">
-            <a:extLst>
-              <a:ext uri="{FF2B5EF4-FFF2-40B4-BE49-F238E27FC236}">
-                <a16:creationId xmlns:a16="http://schemas.microsoft.com/office/drawing/2014/main" id="{C118E556-0783-33BE-4F5D-9FC28B44CD1D}"/>
-              </a:ext>
-            </a:extLst>
-          </p:cNvPr>
-          <p:cNvSpPr txBox="1">
-            <a:spLocks/>
-          </p:cNvSpPr>
-          <p:nvPr/>
-        </p:nvSpPr>
-        <p:spPr>
-          <a:xfrm>
-            <a:off x="431801" y="1304365"/>
-            <a:ext cx="7076669" cy="4626536"/>
-          </a:xfrm>
-          <a:prstGeom prst="rect">
-            <a:avLst/>
-          </a:prstGeom>
-        </p:spPr>
-        <p:txBody>
-          <a:bodyPr/>
-          <a:lstStyle>
-            <a:lvl1pPr marL="457189" indent="-457189" algn="l" defTabSz="609585" rtl="0" eaLnBrk="1" latinLnBrk="0" hangingPunct="1">
-              <a:spcBef>
-                <a:spcPct val="20000"/>
-              </a:spcBef>
-              <a:buFont typeface="Arial"/>
-              <a:buChar char="•"/>
-              <a:defRPr sz="4267" kern="1200">
-                <a:solidFill>
-                  <a:schemeClr val="tx1"/>
-                </a:solidFill>
-                <a:latin typeface="+mn-lt"/>
-                <a:ea typeface="+mn-ea"/>
-                <a:cs typeface="+mn-cs"/>
-              </a:defRPr>
-            </a:lvl1pPr>
-            <a:lvl2pPr marL="990575" indent="-380990" algn="l" defTabSz="609585" rtl="0" eaLnBrk="1" latinLnBrk="0" hangingPunct="1">
-              <a:spcBef>
-                <a:spcPct val="20000"/>
-              </a:spcBef>
-              <a:buFont typeface="Arial"/>
-              <a:buChar char="–"/>
-              <a:defRPr sz="3733" kern="1200">
-                <a:solidFill>
-                  <a:schemeClr val="tx1"/>
-                </a:solidFill>
-                <a:latin typeface="+mn-lt"/>
-                <a:ea typeface="+mn-ea"/>
-                <a:cs typeface="+mn-cs"/>
-              </a:defRPr>
-            </a:lvl2pPr>
-            <a:lvl3pPr marL="1523962" indent="-304792" algn="l" defTabSz="609585" rtl="0" eaLnBrk="1" latinLnBrk="0" hangingPunct="1">
-              <a:spcBef>
-                <a:spcPct val="20000"/>
-              </a:spcBef>
-              <a:buFont typeface="Arial"/>
-              <a:buChar char="•"/>
-              <a:defRPr sz="3200" kern="1200">
-                <a:solidFill>
-                  <a:schemeClr val="tx1"/>
-                </a:solidFill>
-                <a:latin typeface="+mn-lt"/>
-                <a:ea typeface="+mn-ea"/>
-                <a:cs typeface="+mn-cs"/>
-              </a:defRPr>
-            </a:lvl3pPr>
-            <a:lvl4pPr marL="2133547" indent="-304792" algn="l" defTabSz="609585" rtl="0" eaLnBrk="1" latinLnBrk="0" hangingPunct="1">
-              <a:spcBef>
-                <a:spcPct val="20000"/>
-              </a:spcBef>
-              <a:buFont typeface="Arial"/>
-              <a:buChar char="–"/>
-              <a:defRPr sz="2667" kern="1200">
-                <a:solidFill>
-                  <a:schemeClr val="tx1"/>
-                </a:solidFill>
-                <a:latin typeface="+mn-lt"/>
-                <a:ea typeface="+mn-ea"/>
-                <a:cs typeface="+mn-cs"/>
-              </a:defRPr>
-            </a:lvl4pPr>
-            <a:lvl5pPr marL="2743131" indent="-304792" algn="l" defTabSz="609585" rtl="0" eaLnBrk="1" latinLnBrk="0" hangingPunct="1">
-              <a:spcBef>
-                <a:spcPct val="20000"/>
-              </a:spcBef>
-              <a:buFont typeface="Arial"/>
-              <a:buChar char="»"/>
-              <a:defRPr sz="2667" kern="1200">
-                <a:solidFill>
-                  <a:schemeClr val="tx1"/>
-                </a:solidFill>
-                <a:latin typeface="+mn-lt"/>
-                <a:ea typeface="+mn-ea"/>
-                <a:cs typeface="+mn-cs"/>
-              </a:defRPr>
-            </a:lvl5pPr>
-            <a:lvl6pPr marL="3352716" indent="-304792" algn="l" defTabSz="609585" rtl="0" eaLnBrk="1" latinLnBrk="0" hangingPunct="1">
-              <a:spcBef>
-                <a:spcPct val="20000"/>
-              </a:spcBef>
-              <a:buFont typeface="Arial"/>
-              <a:buChar char="•"/>
-              <a:defRPr sz="2667" kern="1200">
-                <a:solidFill>
-                  <a:schemeClr val="tx1"/>
-                </a:solidFill>
-                <a:latin typeface="+mn-lt"/>
-                <a:ea typeface="+mn-ea"/>
-                <a:cs typeface="+mn-cs"/>
-              </a:defRPr>
-            </a:lvl6pPr>
-            <a:lvl7pPr marL="3962301" indent="-304792" algn="l" defTabSz="609585" rtl="0" eaLnBrk="1" latinLnBrk="0" hangingPunct="1">
-              <a:spcBef>
-                <a:spcPct val="20000"/>
-              </a:spcBef>
-              <a:buFont typeface="Arial"/>
-              <a:buChar char="•"/>
-              <a:defRPr sz="2667" kern="1200">
-                <a:solidFill>
-                  <a:schemeClr val="tx1"/>
-                </a:solidFill>
-                <a:latin typeface="+mn-lt"/>
-                <a:ea typeface="+mn-ea"/>
-                <a:cs typeface="+mn-cs"/>
-              </a:defRPr>
-            </a:lvl7pPr>
-            <a:lvl8pPr marL="4571886" indent="-304792" algn="l" defTabSz="609585" rtl="0" eaLnBrk="1" latinLnBrk="0" hangingPunct="1">
-              <a:spcBef>
-                <a:spcPct val="20000"/>
-              </a:spcBef>
-              <a:buFont typeface="Arial"/>
-              <a:buChar char="•"/>
-              <a:defRPr sz="2667" kern="1200">
-                <a:solidFill>
-                  <a:schemeClr val="tx1"/>
-                </a:solidFill>
-                <a:latin typeface="+mn-lt"/>
-                <a:ea typeface="+mn-ea"/>
-                <a:cs typeface="+mn-cs"/>
-              </a:defRPr>
-            </a:lvl8pPr>
-            <a:lvl9pPr marL="5181470" indent="-304792" algn="l" defTabSz="609585" rtl="0" eaLnBrk="1" latinLnBrk="0" hangingPunct="1">
-              <a:spcBef>
-                <a:spcPct val="20000"/>
-              </a:spcBef>
-              <a:buFont typeface="Arial"/>
-              <a:buChar char="•"/>
-              <a:defRPr sz="2667" kern="1200">
-                <a:solidFill>
-                  <a:schemeClr val="tx1"/>
-                </a:solidFill>
-                <a:latin typeface="+mn-lt"/>
-                <a:ea typeface="+mn-ea"/>
-                <a:cs typeface="+mn-cs"/>
-              </a:defRPr>
-            </a:lvl9pPr>
-          </a:lstStyle>
-          <a:p>
-            <a:pPr>
-              <a:spcAft>
-                <a:spcPts val="1800"/>
-              </a:spcAft>
-            </a:pPr>
-            <a:r>
-              <a:rPr lang="en-US" sz="2400" dirty="0"/>
-              <a:t>Explaining predictions from tree models is always desired; the patterns uncovered by a model are, in some applications, more important than the model’s prediction performance.</a:t>
-            </a:r>
-          </a:p>
-          <a:p>
-            <a:pPr>
-              <a:spcAft>
-                <a:spcPts val="1800"/>
-              </a:spcAft>
-            </a:pPr>
-            <a:r>
-              <a:rPr lang="en-US" sz="2400" dirty="0"/>
-              <a:t>A drawback of RF, Bagging, and other </a:t>
-            </a:r>
-            <a:r>
-              <a:rPr lang="en-US" sz="2400" b="1" i="1" dirty="0"/>
-              <a:t>ensemble methods, </a:t>
-            </a:r>
-            <a:r>
-              <a:rPr lang="en-US" sz="2400" dirty="0"/>
-              <a:t>is that the averaged model is no longer easily interpretable - i.e. one can no longer trace the </a:t>
-            </a:r>
-            <a:r>
-              <a:rPr lang="en-US" sz="2400" i="1" dirty="0"/>
-              <a:t>logic</a:t>
-            </a:r>
-            <a:r>
-              <a:rPr lang="en-US" sz="2400" dirty="0"/>
-              <a:t> of an output through a series of decisions based on predictor values! </a:t>
-            </a:r>
-          </a:p>
-        </p:txBody>
-      </p:sp>
-      <p:pic>
-        <p:nvPicPr>
-          <p:cNvPr id="3" name="Content Placeholder 7">
-            <a:extLst>
-              <a:ext uri="{FF2B5EF4-FFF2-40B4-BE49-F238E27FC236}">
-                <a16:creationId xmlns:a16="http://schemas.microsoft.com/office/drawing/2014/main" id="{F017D1DD-378D-F993-441B-464467ABC0DA}"/>
-              </a:ext>
-            </a:extLst>
-          </p:cNvPr>
-          <p:cNvPicPr>
-            <a:picLocks noChangeAspect="1"/>
-          </p:cNvPicPr>
-          <p:nvPr/>
-        </p:nvPicPr>
-        <p:blipFill rotWithShape="1">
-          <a:blip r:embed="rId2">
-            <a:duotone>
-              <a:schemeClr val="accent1">
-                <a:shade val="45000"/>
-                <a:satMod val="135000"/>
-              </a:schemeClr>
-              <a:prstClr val="white"/>
-            </a:duotone>
-            <a:extLst>
-              <a:ext uri="{28A0092B-C50C-407E-A947-70E740481C1C}">
-                <a14:useLocalDpi xmlns:a14="http://schemas.microsoft.com/office/drawing/2010/main" val="0"/>
-              </a:ext>
-            </a:extLst>
-          </a:blip>
-          <a:srcRect l="7134" t="6340" r="6413" b="9980"/>
-          <a:stretch/>
-        </p:blipFill>
-        <p:spPr>
-          <a:xfrm>
-            <a:off x="7333823" y="1411941"/>
-            <a:ext cx="4651987" cy="3939987"/>
-          </a:xfrm>
-          <a:prstGeom prst="rect">
-            <a:avLst/>
-          </a:prstGeom>
-          <a:ln>
-            <a:noFill/>
-          </a:ln>
-        </p:spPr>
-      </p:pic>
-    </p:spTree>
-    <p:extLst>
-      <p:ext uri="{BB962C8B-B14F-4D97-AF65-F5344CB8AC3E}">
-        <p14:creationId xmlns:p14="http://schemas.microsoft.com/office/powerpoint/2010/main" val="2308997709"/>
       </p:ext>
     </p:extLst>
   </p:cSld>
